--- a/Images/新增 Microsoft PowerPoint 簡報.pptx
+++ b/Images/新增 Microsoft PowerPoint 簡報.pptx
@@ -104,6 +104,11 @@
       </a:defRPr>
     </a:lvl9pPr>
   </p:defaultTextStyle>
+  <p:extLst>
+    <p:ext uri="{EFAFB233-063F-42B5-8137-9DF3F51BA10A}">
+      <p15:sldGuideLst xmlns:p15="http://schemas.microsoft.com/office/powerpoint/2012/main"/>
+    </p:ext>
+  </p:extLst>
 </p:presentation>
 </file>
 
@@ -22229,6 +22234,1218 @@
           </a:prstGeom>
         </p:spPr>
       </p:pic>
+      <p:grpSp>
+        <p:nvGrpSpPr>
+          <p:cNvPr id="2" name="群組 1">
+            <a:extLst>
+              <a:ext uri="{FF2B5EF4-FFF2-40B4-BE49-F238E27FC236}">
+                <a16:creationId xmlns:a16="http://schemas.microsoft.com/office/drawing/2014/main" id="{F1ED9468-4009-4060-9FA4-FAAF65670A75}"/>
+              </a:ext>
+            </a:extLst>
+          </p:cNvPr>
+          <p:cNvGrpSpPr/>
+          <p:nvPr/>
+        </p:nvGrpSpPr>
+        <p:grpSpPr>
+          <a:xfrm>
+            <a:off x="7963457" y="2030907"/>
+            <a:ext cx="954000" cy="954000"/>
+            <a:chOff x="9722746" y="4674480"/>
+            <a:chExt cx="954000" cy="954000"/>
+          </a:xfrm>
+        </p:grpSpPr>
+        <p:grpSp>
+          <p:nvGrpSpPr>
+            <p:cNvPr id="107" name="群組 106">
+              <a:extLst>
+                <a:ext uri="{FF2B5EF4-FFF2-40B4-BE49-F238E27FC236}">
+                  <a16:creationId xmlns:a16="http://schemas.microsoft.com/office/drawing/2014/main" id="{DE2B69D3-2111-4666-BDFC-B6113C9CC5B3}"/>
+                </a:ext>
+              </a:extLst>
+            </p:cNvPr>
+            <p:cNvGrpSpPr>
+              <a:grpSpLocks noChangeAspect="1"/>
+            </p:cNvGrpSpPr>
+            <p:nvPr/>
+          </p:nvGrpSpPr>
+          <p:grpSpPr>
+            <a:xfrm>
+              <a:off x="9722746" y="4674480"/>
+              <a:ext cx="540000" cy="540000"/>
+              <a:chOff x="2266641" y="589189"/>
+              <a:chExt cx="954000" cy="954000"/>
+            </a:xfrm>
+          </p:grpSpPr>
+          <p:sp>
+            <p:nvSpPr>
+              <p:cNvPr id="108" name="橢圓 107">
+                <a:extLst>
+                  <a:ext uri="{FF2B5EF4-FFF2-40B4-BE49-F238E27FC236}">
+                    <a16:creationId xmlns:a16="http://schemas.microsoft.com/office/drawing/2014/main" id="{89202E36-F905-4E77-8987-AB6E52A32DEA}"/>
+                  </a:ext>
+                </a:extLst>
+              </p:cNvPr>
+              <p:cNvSpPr>
+                <a:spLocks noChangeAspect="1"/>
+              </p:cNvSpPr>
+              <p:nvPr/>
+            </p:nvSpPr>
+            <p:spPr>
+              <a:xfrm>
+                <a:off x="2266641" y="589189"/>
+                <a:ext cx="954000" cy="954000"/>
+              </a:xfrm>
+              <a:prstGeom prst="ellipse">
+                <a:avLst/>
+              </a:prstGeom>
+              <a:solidFill>
+                <a:srgbClr val="11AA9A">
+                  <a:alpha val="70000"/>
+                </a:srgbClr>
+              </a:solidFill>
+              <a:ln>
+                <a:noFill/>
+              </a:ln>
+            </p:spPr>
+            <p:style>
+              <a:lnRef idx="2">
+                <a:schemeClr val="accent1">
+                  <a:shade val="50000"/>
+                </a:schemeClr>
+              </a:lnRef>
+              <a:fillRef idx="1">
+                <a:schemeClr val="accent1"/>
+              </a:fillRef>
+              <a:effectRef idx="0">
+                <a:schemeClr val="accent1"/>
+              </a:effectRef>
+              <a:fontRef idx="minor">
+                <a:schemeClr val="lt1"/>
+              </a:fontRef>
+            </p:style>
+            <p:txBody>
+              <a:bodyPr rtlCol="0" anchor="ctr"/>
+              <a:lstStyle/>
+              <a:p>
+                <a:pPr algn="ctr"/>
+                <a:endParaRPr lang="zh-TW" altLang="en-US" sz="4400" dirty="0">
+                  <a:solidFill>
+                    <a:schemeClr val="tx1"/>
+                  </a:solidFill>
+                  <a:latin typeface="Sarasa Mono SC" panose="02000509000000000000" pitchFamily="49" charset="-122"/>
+                  <a:ea typeface="Sarasa Mono SC" panose="02000509000000000000" pitchFamily="49" charset="-122"/>
+                  <a:cs typeface="Sarasa Mono SC" panose="02000509000000000000" pitchFamily="49" charset="-122"/>
+                </a:endParaRPr>
+              </a:p>
+            </p:txBody>
+          </p:sp>
+          <p:sp>
+            <p:nvSpPr>
+              <p:cNvPr id="110" name="文字方塊 109">
+                <a:extLst>
+                  <a:ext uri="{FF2B5EF4-FFF2-40B4-BE49-F238E27FC236}">
+                    <a16:creationId xmlns:a16="http://schemas.microsoft.com/office/drawing/2014/main" id="{214D5155-C0C1-42F9-B042-0E551EE0CECE}"/>
+                  </a:ext>
+                </a:extLst>
+              </p:cNvPr>
+              <p:cNvSpPr txBox="1">
+                <a:spLocks noChangeAspect="1"/>
+              </p:cNvSpPr>
+              <p:nvPr/>
+            </p:nvSpPr>
+            <p:spPr>
+              <a:xfrm>
+                <a:off x="2484009" y="809367"/>
+                <a:ext cx="519265" cy="513645"/>
+              </a:xfrm>
+              <a:custGeom>
+                <a:avLst/>
+                <a:gdLst/>
+                <a:ahLst/>
+                <a:cxnLst/>
+                <a:rect l="l" t="t" r="r" b="b"/>
+                <a:pathLst>
+                  <a:path w="519265" h="513645">
+                    <a:moveTo>
+                      <a:pt x="146114" y="416424"/>
+                    </a:moveTo>
+                    <a:lnTo>
+                      <a:pt x="183204" y="432159"/>
+                    </a:lnTo>
+                    <a:cubicBezTo>
+                      <a:pt x="173838" y="439277"/>
+                      <a:pt x="163441" y="446396"/>
+                      <a:pt x="152014" y="453514"/>
+                    </a:cubicBezTo>
+                    <a:cubicBezTo>
+                      <a:pt x="140588" y="460632"/>
+                      <a:pt x="128692" y="467470"/>
+                      <a:pt x="116329" y="474026"/>
+                    </a:cubicBezTo>
+                    <a:cubicBezTo>
+                      <a:pt x="103966" y="480582"/>
+                      <a:pt x="91415" y="486577"/>
+                      <a:pt x="78677" y="492009"/>
+                    </a:cubicBezTo>
+                    <a:cubicBezTo>
+                      <a:pt x="65939" y="497442"/>
+                      <a:pt x="53575" y="502406"/>
+                      <a:pt x="41586" y="506902"/>
+                    </a:cubicBezTo>
+                    <a:cubicBezTo>
+                      <a:pt x="40088" y="505028"/>
+                      <a:pt x="38027" y="502780"/>
+                      <a:pt x="35405" y="500158"/>
+                    </a:cubicBezTo>
+                    <a:cubicBezTo>
+                      <a:pt x="32782" y="497535"/>
+                      <a:pt x="30066" y="494913"/>
+                      <a:pt x="27256" y="492290"/>
+                    </a:cubicBezTo>
+                    <a:cubicBezTo>
+                      <a:pt x="24446" y="489668"/>
+                      <a:pt x="21543" y="487139"/>
+                      <a:pt x="18545" y="484704"/>
+                    </a:cubicBezTo>
+                    <a:cubicBezTo>
+                      <a:pt x="15548" y="482268"/>
+                      <a:pt x="12738" y="480114"/>
+                      <a:pt x="10116" y="478241"/>
+                    </a:cubicBezTo>
+                    <a:cubicBezTo>
+                      <a:pt x="22479" y="474494"/>
+                      <a:pt x="34936" y="470280"/>
+                      <a:pt x="47487" y="465596"/>
+                    </a:cubicBezTo>
+                    <a:cubicBezTo>
+                      <a:pt x="60038" y="460913"/>
+                      <a:pt x="72308" y="455949"/>
+                      <a:pt x="84296" y="450704"/>
+                    </a:cubicBezTo>
+                    <a:cubicBezTo>
+                      <a:pt x="96285" y="445459"/>
+                      <a:pt x="107525" y="439933"/>
+                      <a:pt x="118015" y="434126"/>
+                    </a:cubicBezTo>
+                    <a:cubicBezTo>
+                      <a:pt x="128505" y="428319"/>
+                      <a:pt x="137871" y="422418"/>
+                      <a:pt x="146114" y="416424"/>
+                    </a:cubicBezTo>
+                    <a:close/>
+                    <a:moveTo>
+                      <a:pt x="362474" y="415300"/>
+                    </a:moveTo>
+                    <a:cubicBezTo>
+                      <a:pt x="374463" y="419421"/>
+                      <a:pt x="386920" y="424104"/>
+                      <a:pt x="399845" y="429349"/>
+                    </a:cubicBezTo>
+                    <a:cubicBezTo>
+                      <a:pt x="412771" y="434594"/>
+                      <a:pt x="425603" y="440120"/>
+                      <a:pt x="438341" y="445927"/>
+                    </a:cubicBezTo>
+                    <a:cubicBezTo>
+                      <a:pt x="451079" y="451734"/>
+                      <a:pt x="463068" y="457541"/>
+                      <a:pt x="474307" y="463348"/>
+                    </a:cubicBezTo>
+                    <a:cubicBezTo>
+                      <a:pt x="485547" y="469156"/>
+                      <a:pt x="495288" y="474682"/>
+                      <a:pt x="503530" y="479927"/>
+                    </a:cubicBezTo>
+                    <a:lnTo>
+                      <a:pt x="472059" y="503530"/>
+                    </a:lnTo>
+                    <a:cubicBezTo>
+                      <a:pt x="464566" y="498659"/>
+                      <a:pt x="455387" y="493321"/>
+                      <a:pt x="444522" y="487513"/>
+                    </a:cubicBezTo>
+                    <a:cubicBezTo>
+                      <a:pt x="433658" y="481706"/>
+                      <a:pt x="421950" y="475806"/>
+                      <a:pt x="409399" y="469811"/>
+                    </a:cubicBezTo>
+                    <a:cubicBezTo>
+                      <a:pt x="396848" y="463817"/>
+                      <a:pt x="384017" y="458010"/>
+                      <a:pt x="370904" y="452390"/>
+                    </a:cubicBezTo>
+                    <a:cubicBezTo>
+                      <a:pt x="357791" y="446770"/>
+                      <a:pt x="345240" y="441712"/>
+                      <a:pt x="333251" y="437217"/>
+                    </a:cubicBezTo>
+                    <a:close/>
+                    <a:moveTo>
+                      <a:pt x="81487" y="175336"/>
+                    </a:moveTo>
+                    <a:cubicBezTo>
+                      <a:pt x="80737" y="184328"/>
+                      <a:pt x="79707" y="193226"/>
+                      <a:pt x="78396" y="202030"/>
+                    </a:cubicBezTo>
+                    <a:cubicBezTo>
+                      <a:pt x="77084" y="210834"/>
+                      <a:pt x="76054" y="218983"/>
+                      <a:pt x="75305" y="226476"/>
+                    </a:cubicBezTo>
+                    <a:lnTo>
+                      <a:pt x="160725" y="226476"/>
+                    </a:lnTo>
+                    <a:lnTo>
+                      <a:pt x="200625" y="226476"/>
+                    </a:lnTo>
+                    <a:cubicBezTo>
+                      <a:pt x="201749" y="218983"/>
+                      <a:pt x="202873" y="210834"/>
+                      <a:pt x="203997" y="202030"/>
+                    </a:cubicBezTo>
+                    <a:cubicBezTo>
+                      <a:pt x="205121" y="193226"/>
+                      <a:pt x="206058" y="184328"/>
+                      <a:pt x="206807" y="175336"/>
+                    </a:cubicBezTo>
+                    <a:lnTo>
+                      <a:pt x="130378" y="175336"/>
+                    </a:lnTo>
+                    <a:cubicBezTo>
+                      <a:pt x="134874" y="177959"/>
+                      <a:pt x="139370" y="180675"/>
+                      <a:pt x="143866" y="183485"/>
+                    </a:cubicBezTo>
+                    <a:cubicBezTo>
+                      <a:pt x="148362" y="186295"/>
+                      <a:pt x="152576" y="189292"/>
+                      <a:pt x="156510" y="192477"/>
+                    </a:cubicBezTo>
+                    <a:cubicBezTo>
+                      <a:pt x="160444" y="195661"/>
+                      <a:pt x="164191" y="198846"/>
+                      <a:pt x="167750" y="202030"/>
+                    </a:cubicBezTo>
+                    <a:cubicBezTo>
+                      <a:pt x="171309" y="205215"/>
+                      <a:pt x="174212" y="208305"/>
+                      <a:pt x="176460" y="211303"/>
+                    </a:cubicBezTo>
+                    <a:lnTo>
+                      <a:pt x="160725" y="226476"/>
+                    </a:lnTo>
+                    <a:cubicBezTo>
+                      <a:pt x="158103" y="223479"/>
+                      <a:pt x="155012" y="220201"/>
+                      <a:pt x="151452" y="216641"/>
+                    </a:cubicBezTo>
+                    <a:cubicBezTo>
+                      <a:pt x="147893" y="213082"/>
+                      <a:pt x="143959" y="209617"/>
+                      <a:pt x="139651" y="206245"/>
+                    </a:cubicBezTo>
+                    <a:cubicBezTo>
+                      <a:pt x="135343" y="202873"/>
+                      <a:pt x="130847" y="199595"/>
+                      <a:pt x="126164" y="196410"/>
+                    </a:cubicBezTo>
+                    <a:cubicBezTo>
+                      <a:pt x="121480" y="193226"/>
+                      <a:pt x="116891" y="190322"/>
+                      <a:pt x="112395" y="187700"/>
+                    </a:cubicBezTo>
+                    <a:lnTo>
+                      <a:pt x="125883" y="175336"/>
+                    </a:lnTo>
+                    <a:close/>
+                    <a:moveTo>
+                      <a:pt x="89354" y="104527"/>
+                    </a:moveTo>
+                    <a:cubicBezTo>
+                      <a:pt x="88605" y="112020"/>
+                      <a:pt x="87762" y="119888"/>
+                      <a:pt x="86825" y="128130"/>
+                    </a:cubicBezTo>
+                    <a:cubicBezTo>
+                      <a:pt x="85889" y="136373"/>
+                      <a:pt x="84858" y="144615"/>
+                      <a:pt x="83734" y="152857"/>
+                    </a:cubicBezTo>
+                    <a:lnTo>
+                      <a:pt x="164097" y="152857"/>
+                    </a:lnTo>
+                    <a:cubicBezTo>
+                      <a:pt x="161849" y="149860"/>
+                      <a:pt x="159039" y="146769"/>
+                      <a:pt x="155667" y="143585"/>
+                    </a:cubicBezTo>
+                    <a:cubicBezTo>
+                      <a:pt x="152295" y="140400"/>
+                      <a:pt x="148643" y="137403"/>
+                      <a:pt x="144709" y="134593"/>
+                    </a:cubicBezTo>
+                    <a:cubicBezTo>
+                      <a:pt x="140775" y="131783"/>
+                      <a:pt x="136747" y="128973"/>
+                      <a:pt x="132626" y="126163"/>
+                    </a:cubicBezTo>
+                    <a:cubicBezTo>
+                      <a:pt x="128505" y="123354"/>
+                      <a:pt x="124384" y="120825"/>
+                      <a:pt x="120263" y="118577"/>
+                    </a:cubicBezTo>
+                    <a:lnTo>
+                      <a:pt x="134874" y="104527"/>
+                    </a:lnTo>
+                    <a:cubicBezTo>
+                      <a:pt x="138995" y="106775"/>
+                      <a:pt x="143304" y="109211"/>
+                      <a:pt x="147800" y="111833"/>
+                    </a:cubicBezTo>
+                    <a:cubicBezTo>
+                      <a:pt x="152295" y="114456"/>
+                      <a:pt x="156604" y="117266"/>
+                      <a:pt x="160725" y="120263"/>
+                    </a:cubicBezTo>
+                    <a:cubicBezTo>
+                      <a:pt x="164846" y="123260"/>
+                      <a:pt x="168686" y="126257"/>
+                      <a:pt x="172246" y="129254"/>
+                    </a:cubicBezTo>
+                    <a:cubicBezTo>
+                      <a:pt x="175805" y="132251"/>
+                      <a:pt x="178708" y="135249"/>
+                      <a:pt x="180956" y="138246"/>
+                    </a:cubicBezTo>
+                    <a:lnTo>
+                      <a:pt x="166345" y="152857"/>
+                    </a:lnTo>
+                    <a:lnTo>
+                      <a:pt x="209055" y="152857"/>
+                    </a:lnTo>
+                    <a:cubicBezTo>
+                      <a:pt x="209804" y="144615"/>
+                      <a:pt x="210553" y="136373"/>
+                      <a:pt x="211303" y="128130"/>
+                    </a:cubicBezTo>
+                    <a:cubicBezTo>
+                      <a:pt x="212052" y="119888"/>
+                      <a:pt x="212614" y="112020"/>
+                      <a:pt x="212989" y="104527"/>
+                    </a:cubicBezTo>
+                    <a:lnTo>
+                      <a:pt x="134874" y="104527"/>
+                    </a:lnTo>
+                    <a:close/>
+                    <a:moveTo>
+                      <a:pt x="339995" y="78677"/>
+                    </a:moveTo>
+                    <a:lnTo>
+                      <a:pt x="337747" y="82610"/>
+                    </a:lnTo>
+                    <a:cubicBezTo>
+                      <a:pt x="344116" y="96847"/>
+                      <a:pt x="351328" y="110428"/>
+                      <a:pt x="359383" y="123354"/>
+                    </a:cubicBezTo>
+                    <a:cubicBezTo>
+                      <a:pt x="367438" y="136279"/>
+                      <a:pt x="376524" y="148549"/>
+                      <a:pt x="386639" y="160163"/>
+                    </a:cubicBezTo>
+                    <a:cubicBezTo>
+                      <a:pt x="397129" y="148549"/>
+                      <a:pt x="406215" y="135998"/>
+                      <a:pt x="413895" y="122511"/>
+                    </a:cubicBezTo>
+                    <a:cubicBezTo>
+                      <a:pt x="421575" y="109023"/>
+                      <a:pt x="427851" y="94412"/>
+                      <a:pt x="432721" y="78677"/>
+                    </a:cubicBezTo>
+                    <a:close/>
+                    <a:moveTo>
+                      <a:pt x="332127" y="2248"/>
+                    </a:moveTo>
+                    <a:lnTo>
+                      <a:pt x="368656" y="8992"/>
+                    </a:lnTo>
+                    <a:cubicBezTo>
+                      <a:pt x="366783" y="15735"/>
+                      <a:pt x="364722" y="22198"/>
+                      <a:pt x="362474" y="28380"/>
+                    </a:cubicBezTo>
+                    <a:cubicBezTo>
+                      <a:pt x="360226" y="34562"/>
+                      <a:pt x="357791" y="40837"/>
+                      <a:pt x="355168" y="47206"/>
+                    </a:cubicBezTo>
+                    <a:lnTo>
+                      <a:pt x="508026" y="47206"/>
+                    </a:lnTo>
+                    <a:lnTo>
+                      <a:pt x="508026" y="78677"/>
+                    </a:lnTo>
+                    <a:lnTo>
+                      <a:pt x="469811" y="78677"/>
+                    </a:lnTo>
+                    <a:cubicBezTo>
+                      <a:pt x="463817" y="99282"/>
+                      <a:pt x="455856" y="118296"/>
+                      <a:pt x="445927" y="135717"/>
+                    </a:cubicBezTo>
+                    <a:cubicBezTo>
+                      <a:pt x="435999" y="153138"/>
+                      <a:pt x="424479" y="168967"/>
+                      <a:pt x="411366" y="183204"/>
+                    </a:cubicBezTo>
+                    <a:cubicBezTo>
+                      <a:pt x="425977" y="195942"/>
+                      <a:pt x="442462" y="207088"/>
+                      <a:pt x="460820" y="216641"/>
+                    </a:cubicBezTo>
+                    <a:cubicBezTo>
+                      <a:pt x="479178" y="226195"/>
+                      <a:pt x="498659" y="233969"/>
+                      <a:pt x="519265" y="239963"/>
+                    </a:cubicBezTo>
+                    <a:cubicBezTo>
+                      <a:pt x="517392" y="241837"/>
+                      <a:pt x="515238" y="243991"/>
+                      <a:pt x="512802" y="246426"/>
+                    </a:cubicBezTo>
+                    <a:cubicBezTo>
+                      <a:pt x="510367" y="248861"/>
+                      <a:pt x="508119" y="251578"/>
+                      <a:pt x="506059" y="254575"/>
+                    </a:cubicBezTo>
+                    <a:cubicBezTo>
+                      <a:pt x="503998" y="257572"/>
+                      <a:pt x="502031" y="260476"/>
+                      <a:pt x="500158" y="263285"/>
+                    </a:cubicBezTo>
+                    <a:cubicBezTo>
+                      <a:pt x="498285" y="266095"/>
+                      <a:pt x="496599" y="268811"/>
+                      <a:pt x="495100" y="271434"/>
+                    </a:cubicBezTo>
+                    <a:cubicBezTo>
+                      <a:pt x="474120" y="264316"/>
+                      <a:pt x="454451" y="255418"/>
+                      <a:pt x="436093" y="244740"/>
+                    </a:cubicBezTo>
+                    <a:cubicBezTo>
+                      <a:pt x="417735" y="234063"/>
+                      <a:pt x="400876" y="221793"/>
+                      <a:pt x="385515" y="207931"/>
+                    </a:cubicBezTo>
+                    <a:cubicBezTo>
+                      <a:pt x="371653" y="219545"/>
+                      <a:pt x="356854" y="230035"/>
+                      <a:pt x="341119" y="239401"/>
+                    </a:cubicBezTo>
+                    <a:cubicBezTo>
+                      <a:pt x="325384" y="248768"/>
+                      <a:pt x="308337" y="257197"/>
+                      <a:pt x="289979" y="264690"/>
+                    </a:cubicBezTo>
+                    <a:cubicBezTo>
+                      <a:pt x="288855" y="262817"/>
+                      <a:pt x="287357" y="260569"/>
+                      <a:pt x="285484" y="257947"/>
+                    </a:cubicBezTo>
+                    <a:cubicBezTo>
+                      <a:pt x="283610" y="255324"/>
+                      <a:pt x="281643" y="252701"/>
+                      <a:pt x="279583" y="250079"/>
+                    </a:cubicBezTo>
+                    <a:cubicBezTo>
+                      <a:pt x="277522" y="247456"/>
+                      <a:pt x="275274" y="244928"/>
+                      <a:pt x="272839" y="242492"/>
+                    </a:cubicBezTo>
+                    <a:cubicBezTo>
+                      <a:pt x="270404" y="240057"/>
+                      <a:pt x="268250" y="238090"/>
+                      <a:pt x="266376" y="236592"/>
+                    </a:cubicBezTo>
+                    <a:cubicBezTo>
+                      <a:pt x="284734" y="229848"/>
+                      <a:pt x="301968" y="222168"/>
+                      <a:pt x="318078" y="213551"/>
+                    </a:cubicBezTo>
+                    <a:cubicBezTo>
+                      <a:pt x="334188" y="204934"/>
+                      <a:pt x="348987" y="195005"/>
+                      <a:pt x="362474" y="183766"/>
+                    </a:cubicBezTo>
+                    <a:cubicBezTo>
+                      <a:pt x="353483" y="173276"/>
+                      <a:pt x="345334" y="162224"/>
+                      <a:pt x="338028" y="150609"/>
+                    </a:cubicBezTo>
+                    <a:cubicBezTo>
+                      <a:pt x="330723" y="138995"/>
+                      <a:pt x="323885" y="126819"/>
+                      <a:pt x="317516" y="114081"/>
+                    </a:cubicBezTo>
+                    <a:cubicBezTo>
+                      <a:pt x="313020" y="120075"/>
+                      <a:pt x="308525" y="125695"/>
+                      <a:pt x="304029" y="130940"/>
+                    </a:cubicBezTo>
+                    <a:cubicBezTo>
+                      <a:pt x="299533" y="136185"/>
+                      <a:pt x="294662" y="141056"/>
+                      <a:pt x="289417" y="145552"/>
+                    </a:cubicBezTo>
+                    <a:cubicBezTo>
+                      <a:pt x="288293" y="144053"/>
+                      <a:pt x="286608" y="142180"/>
+                      <a:pt x="284360" y="139932"/>
+                    </a:cubicBezTo>
+                    <a:cubicBezTo>
+                      <a:pt x="282112" y="137684"/>
+                      <a:pt x="279770" y="135342"/>
+                      <a:pt x="277335" y="132907"/>
+                    </a:cubicBezTo>
+                    <a:cubicBezTo>
+                      <a:pt x="274900" y="130472"/>
+                      <a:pt x="272371" y="128224"/>
+                      <a:pt x="269748" y="126163"/>
+                    </a:cubicBezTo>
+                    <a:cubicBezTo>
+                      <a:pt x="267126" y="124103"/>
+                      <a:pt x="264690" y="122323"/>
+                      <a:pt x="262443" y="120825"/>
+                    </a:cubicBezTo>
+                    <a:cubicBezTo>
+                      <a:pt x="270685" y="113706"/>
+                      <a:pt x="278365" y="105745"/>
+                      <a:pt x="285484" y="96941"/>
+                    </a:cubicBezTo>
+                    <a:cubicBezTo>
+                      <a:pt x="292602" y="88136"/>
+                      <a:pt x="299065" y="78677"/>
+                      <a:pt x="304872" y="68561"/>
+                    </a:cubicBezTo>
+                    <a:cubicBezTo>
+                      <a:pt x="310679" y="58445"/>
+                      <a:pt x="315924" y="47768"/>
+                      <a:pt x="320607" y="36528"/>
+                    </a:cubicBezTo>
+                    <a:cubicBezTo>
+                      <a:pt x="325290" y="25289"/>
+                      <a:pt x="329130" y="13862"/>
+                      <a:pt x="332127" y="2248"/>
+                    </a:cubicBezTo>
+                    <a:close/>
+                    <a:moveTo>
+                      <a:pt x="74181" y="0"/>
+                    </a:moveTo>
+                    <a:lnTo>
+                      <a:pt x="107899" y="7868"/>
+                    </a:lnTo>
+                    <a:cubicBezTo>
+                      <a:pt x="106775" y="10490"/>
+                      <a:pt x="105464" y="13487"/>
+                      <a:pt x="103966" y="16859"/>
+                    </a:cubicBezTo>
+                    <a:cubicBezTo>
+                      <a:pt x="102467" y="20231"/>
+                      <a:pt x="100781" y="23416"/>
+                      <a:pt x="98908" y="26413"/>
+                    </a:cubicBezTo>
+                    <a:lnTo>
+                      <a:pt x="269186" y="26413"/>
+                    </a:lnTo>
+                    <a:lnTo>
+                      <a:pt x="269186" y="55074"/>
+                    </a:lnTo>
+                    <a:lnTo>
+                      <a:pt x="80925" y="55074"/>
+                    </a:lnTo>
+                    <a:cubicBezTo>
+                      <a:pt x="78302" y="59195"/>
+                      <a:pt x="75492" y="63222"/>
+                      <a:pt x="72495" y="67156"/>
+                    </a:cubicBezTo>
+                    <a:cubicBezTo>
+                      <a:pt x="69498" y="71090"/>
+                      <a:pt x="66313" y="75117"/>
+                      <a:pt x="62941" y="79239"/>
+                    </a:cubicBezTo>
+                    <a:lnTo>
+                      <a:pt x="247831" y="79239"/>
+                    </a:lnTo>
+                    <a:cubicBezTo>
+                      <a:pt x="247082" y="90103"/>
+                      <a:pt x="246145" y="101624"/>
+                      <a:pt x="245021" y="113800"/>
+                    </a:cubicBezTo>
+                    <a:cubicBezTo>
+                      <a:pt x="243897" y="125976"/>
+                      <a:pt x="242773" y="138246"/>
+                      <a:pt x="241649" y="150609"/>
+                    </a:cubicBezTo>
+                    <a:lnTo>
+                      <a:pt x="280988" y="150609"/>
+                    </a:lnTo>
+                    <a:lnTo>
+                      <a:pt x="280988" y="177584"/>
+                    </a:lnTo>
+                    <a:lnTo>
+                      <a:pt x="239402" y="177584"/>
+                    </a:lnTo>
+                    <a:cubicBezTo>
+                      <a:pt x="238652" y="186201"/>
+                      <a:pt x="237809" y="194724"/>
+                      <a:pt x="236873" y="203154"/>
+                    </a:cubicBezTo>
+                    <a:cubicBezTo>
+                      <a:pt x="235936" y="211584"/>
+                      <a:pt x="234906" y="219358"/>
+                      <a:pt x="233782" y="226476"/>
+                    </a:cubicBezTo>
+                    <a:lnTo>
+                      <a:pt x="264128" y="226476"/>
+                    </a:lnTo>
+                    <a:lnTo>
+                      <a:pt x="264128" y="251765"/>
+                    </a:lnTo>
+                    <a:lnTo>
+                      <a:pt x="218047" y="251765"/>
+                    </a:lnTo>
+                    <a:lnTo>
+                      <a:pt x="238840" y="269186"/>
+                    </a:lnTo>
+                    <a:cubicBezTo>
+                      <a:pt x="228349" y="275180"/>
+                      <a:pt x="217391" y="280894"/>
+                      <a:pt x="205964" y="286326"/>
+                    </a:cubicBezTo>
+                    <a:cubicBezTo>
+                      <a:pt x="194537" y="291759"/>
+                      <a:pt x="183391" y="296723"/>
+                      <a:pt x="172527" y="301219"/>
+                    </a:cubicBezTo>
+                    <a:lnTo>
+                      <a:pt x="278740" y="296723"/>
+                    </a:lnTo>
+                    <a:cubicBezTo>
+                      <a:pt x="289605" y="291478"/>
+                      <a:pt x="300376" y="286139"/>
+                      <a:pt x="311053" y="280707"/>
+                    </a:cubicBezTo>
+                    <a:cubicBezTo>
+                      <a:pt x="321731" y="275274"/>
+                      <a:pt x="332127" y="269561"/>
+                      <a:pt x="342243" y="263566"/>
+                    </a:cubicBezTo>
+                    <a:lnTo>
+                      <a:pt x="366970" y="291103"/>
+                    </a:lnTo>
+                    <a:cubicBezTo>
+                      <a:pt x="336249" y="307213"/>
+                      <a:pt x="305153" y="321824"/>
+                      <a:pt x="273682" y="334937"/>
+                    </a:cubicBezTo>
+                    <a:cubicBezTo>
+                      <a:pt x="242211" y="348050"/>
+                      <a:pt x="210553" y="360039"/>
+                      <a:pt x="178708" y="370904"/>
+                    </a:cubicBezTo>
+                    <a:lnTo>
+                      <a:pt x="388887" y="358540"/>
+                    </a:lnTo>
+                    <a:cubicBezTo>
+                      <a:pt x="381769" y="353295"/>
+                      <a:pt x="374557" y="348331"/>
+                      <a:pt x="367251" y="343648"/>
+                    </a:cubicBezTo>
+                    <a:cubicBezTo>
+                      <a:pt x="359945" y="338965"/>
+                      <a:pt x="352733" y="334750"/>
+                      <a:pt x="345615" y="331003"/>
+                    </a:cubicBezTo>
+                    <a:lnTo>
+                      <a:pt x="373152" y="310772"/>
+                    </a:lnTo>
+                    <a:cubicBezTo>
+                      <a:pt x="383642" y="316767"/>
+                      <a:pt x="394507" y="323323"/>
+                      <a:pt x="405746" y="330441"/>
+                    </a:cubicBezTo>
+                    <a:cubicBezTo>
+                      <a:pt x="416986" y="337560"/>
+                      <a:pt x="427851" y="344865"/>
+                      <a:pt x="438341" y="352358"/>
+                    </a:cubicBezTo>
+                    <a:cubicBezTo>
+                      <a:pt x="448831" y="359851"/>
+                      <a:pt x="458666" y="367344"/>
+                      <a:pt x="467844" y="374837"/>
+                    </a:cubicBezTo>
+                    <a:cubicBezTo>
+                      <a:pt x="477023" y="382330"/>
+                      <a:pt x="484797" y="389261"/>
+                      <a:pt x="491166" y="395630"/>
+                    </a:cubicBezTo>
+                    <a:lnTo>
+                      <a:pt x="461944" y="418109"/>
+                    </a:lnTo>
+                    <a:cubicBezTo>
+                      <a:pt x="457448" y="413239"/>
+                      <a:pt x="452296" y="408181"/>
+                      <a:pt x="446489" y="402936"/>
+                    </a:cubicBezTo>
+                    <a:cubicBezTo>
+                      <a:pt x="440682" y="397691"/>
+                      <a:pt x="434032" y="392071"/>
+                      <a:pt x="426539" y="386077"/>
+                    </a:cubicBezTo>
+                    <a:lnTo>
+                      <a:pt x="288855" y="395068"/>
+                    </a:lnTo>
+                    <a:lnTo>
+                      <a:pt x="288855" y="470935"/>
+                    </a:lnTo>
+                    <a:cubicBezTo>
+                      <a:pt x="288855" y="476555"/>
+                      <a:pt x="288574" y="481332"/>
+                      <a:pt x="288012" y="485266"/>
+                    </a:cubicBezTo>
+                    <a:cubicBezTo>
+                      <a:pt x="287450" y="489199"/>
+                      <a:pt x="286327" y="492665"/>
+                      <a:pt x="284641" y="495662"/>
+                    </a:cubicBezTo>
+                    <a:cubicBezTo>
+                      <a:pt x="282955" y="498659"/>
+                      <a:pt x="280707" y="501095"/>
+                      <a:pt x="277897" y="502968"/>
+                    </a:cubicBezTo>
+                    <a:cubicBezTo>
+                      <a:pt x="275087" y="504841"/>
+                      <a:pt x="271621" y="506527"/>
+                      <a:pt x="267500" y="508026"/>
+                    </a:cubicBezTo>
+                    <a:cubicBezTo>
+                      <a:pt x="258883" y="511023"/>
+                      <a:pt x="247737" y="512709"/>
+                      <a:pt x="234063" y="513083"/>
+                    </a:cubicBezTo>
+                    <a:cubicBezTo>
+                      <a:pt x="220388" y="513458"/>
+                      <a:pt x="203622" y="513645"/>
+                      <a:pt x="183766" y="513645"/>
+                    </a:cubicBezTo>
+                    <a:cubicBezTo>
+                      <a:pt x="182267" y="508026"/>
+                      <a:pt x="180207" y="502125"/>
+                      <a:pt x="177584" y="495943"/>
+                    </a:cubicBezTo>
+                    <a:cubicBezTo>
+                      <a:pt x="174962" y="489761"/>
+                      <a:pt x="172152" y="484048"/>
+                      <a:pt x="169155" y="478803"/>
+                    </a:cubicBezTo>
+                    <a:cubicBezTo>
+                      <a:pt x="177397" y="478803"/>
+                      <a:pt x="185077" y="478897"/>
+                      <a:pt x="192196" y="479084"/>
+                    </a:cubicBezTo>
+                    <a:cubicBezTo>
+                      <a:pt x="199314" y="479271"/>
+                      <a:pt x="205870" y="479365"/>
+                      <a:pt x="211865" y="479365"/>
+                    </a:cubicBezTo>
+                    <a:cubicBezTo>
+                      <a:pt x="217859" y="479365"/>
+                      <a:pt x="223011" y="479271"/>
+                      <a:pt x="227319" y="479084"/>
+                    </a:cubicBezTo>
+                    <a:cubicBezTo>
+                      <a:pt x="231628" y="478897"/>
+                      <a:pt x="234718" y="478803"/>
+                      <a:pt x="236592" y="478803"/>
+                    </a:cubicBezTo>
+                    <a:cubicBezTo>
+                      <a:pt x="240713" y="478803"/>
+                      <a:pt x="243523" y="478147"/>
+                      <a:pt x="245021" y="476836"/>
+                    </a:cubicBezTo>
+                    <a:cubicBezTo>
+                      <a:pt x="246520" y="475525"/>
+                      <a:pt x="247269" y="473183"/>
+                      <a:pt x="247269" y="469811"/>
+                    </a:cubicBezTo>
+                    <a:lnTo>
+                      <a:pt x="247269" y="397878"/>
+                    </a:lnTo>
+                    <a:cubicBezTo>
+                      <a:pt x="220669" y="399752"/>
+                      <a:pt x="197722" y="401344"/>
+                      <a:pt x="178427" y="402655"/>
+                    </a:cubicBezTo>
+                    <a:cubicBezTo>
+                      <a:pt x="159133" y="403966"/>
+                      <a:pt x="142648" y="405184"/>
+                      <a:pt x="128973" y="406308"/>
+                    </a:cubicBezTo>
+                    <a:cubicBezTo>
+                      <a:pt x="115299" y="407432"/>
+                      <a:pt x="104059" y="408369"/>
+                      <a:pt x="95255" y="409118"/>
+                    </a:cubicBezTo>
+                    <a:cubicBezTo>
+                      <a:pt x="86451" y="409867"/>
+                      <a:pt x="79239" y="410710"/>
+                      <a:pt x="73619" y="411647"/>
+                    </a:cubicBezTo>
+                    <a:cubicBezTo>
+                      <a:pt x="67999" y="412583"/>
+                      <a:pt x="63597" y="413426"/>
+                      <a:pt x="60413" y="414176"/>
+                    </a:cubicBezTo>
+                    <a:cubicBezTo>
+                      <a:pt x="57228" y="414925"/>
+                      <a:pt x="54324" y="415674"/>
+                      <a:pt x="51702" y="416424"/>
+                    </a:cubicBezTo>
+                    <a:cubicBezTo>
+                      <a:pt x="51327" y="414550"/>
+                      <a:pt x="50765" y="412115"/>
+                      <a:pt x="50016" y="409118"/>
+                    </a:cubicBezTo>
+                    <a:cubicBezTo>
+                      <a:pt x="49267" y="406121"/>
+                      <a:pt x="48424" y="402936"/>
+                      <a:pt x="47487" y="399564"/>
+                    </a:cubicBezTo>
+                    <a:cubicBezTo>
+                      <a:pt x="46550" y="396192"/>
+                      <a:pt x="45520" y="392821"/>
+                      <a:pt x="44396" y="389449"/>
+                    </a:cubicBezTo>
+                    <a:cubicBezTo>
+                      <a:pt x="43272" y="386077"/>
+                      <a:pt x="42148" y="383267"/>
+                      <a:pt x="41024" y="381019"/>
+                    </a:cubicBezTo>
+                    <a:cubicBezTo>
+                      <a:pt x="50391" y="380270"/>
+                      <a:pt x="61068" y="378303"/>
+                      <a:pt x="73057" y="375118"/>
+                    </a:cubicBezTo>
+                    <a:cubicBezTo>
+                      <a:pt x="85046" y="371934"/>
+                      <a:pt x="98533" y="367719"/>
+                      <a:pt x="113519" y="362474"/>
+                    </a:cubicBezTo>
+                    <a:cubicBezTo>
+                      <a:pt x="117640" y="360975"/>
+                      <a:pt x="122979" y="359102"/>
+                      <a:pt x="129535" y="356854"/>
+                    </a:cubicBezTo>
+                    <a:cubicBezTo>
+                      <a:pt x="136092" y="354606"/>
+                      <a:pt x="143491" y="351984"/>
+                      <a:pt x="151733" y="348987"/>
+                    </a:cubicBezTo>
+                    <a:cubicBezTo>
+                      <a:pt x="159976" y="345989"/>
+                      <a:pt x="168967" y="342711"/>
+                      <a:pt x="178708" y="339152"/>
+                    </a:cubicBezTo>
+                    <a:cubicBezTo>
+                      <a:pt x="188449" y="335593"/>
+                      <a:pt x="198565" y="331753"/>
+                      <a:pt x="209055" y="327632"/>
+                    </a:cubicBezTo>
+                    <a:cubicBezTo>
+                      <a:pt x="193694" y="328381"/>
+                      <a:pt x="180301" y="329130"/>
+                      <a:pt x="168874" y="329879"/>
+                    </a:cubicBezTo>
+                    <a:cubicBezTo>
+                      <a:pt x="157447" y="330629"/>
+                      <a:pt x="147706" y="331284"/>
+                      <a:pt x="139651" y="331846"/>
+                    </a:cubicBezTo>
+                    <a:cubicBezTo>
+                      <a:pt x="131596" y="332408"/>
+                      <a:pt x="124852" y="332970"/>
+                      <a:pt x="119420" y="333532"/>
+                    </a:cubicBezTo>
+                    <a:cubicBezTo>
+                      <a:pt x="113987" y="334094"/>
+                      <a:pt x="109585" y="334563"/>
+                      <a:pt x="106213" y="334937"/>
+                    </a:cubicBezTo>
+                    <a:cubicBezTo>
+                      <a:pt x="102842" y="335312"/>
+                      <a:pt x="100125" y="335780"/>
+                      <a:pt x="98065" y="336342"/>
+                    </a:cubicBezTo>
+                    <a:cubicBezTo>
+                      <a:pt x="96004" y="336904"/>
+                      <a:pt x="94225" y="337372"/>
+                      <a:pt x="92726" y="337747"/>
+                    </a:cubicBezTo>
+                    <a:cubicBezTo>
+                      <a:pt x="92351" y="335874"/>
+                      <a:pt x="91789" y="333532"/>
+                      <a:pt x="91040" y="330722"/>
+                    </a:cubicBezTo>
+                    <a:cubicBezTo>
+                      <a:pt x="90291" y="327912"/>
+                      <a:pt x="89448" y="324915"/>
+                      <a:pt x="88511" y="321731"/>
+                    </a:cubicBezTo>
+                    <a:cubicBezTo>
+                      <a:pt x="87575" y="318546"/>
+                      <a:pt x="86544" y="315455"/>
+                      <a:pt x="85420" y="312458"/>
+                    </a:cubicBezTo>
+                    <a:cubicBezTo>
+                      <a:pt x="84296" y="309461"/>
+                      <a:pt x="83360" y="306838"/>
+                      <a:pt x="82611" y="304591"/>
+                    </a:cubicBezTo>
+                    <a:cubicBezTo>
+                      <a:pt x="87481" y="303841"/>
+                      <a:pt x="92632" y="302905"/>
+                      <a:pt x="98065" y="301781"/>
+                    </a:cubicBezTo>
+                    <a:cubicBezTo>
+                      <a:pt x="103497" y="300657"/>
+                      <a:pt x="109585" y="298783"/>
+                      <a:pt x="116329" y="296161"/>
+                    </a:cubicBezTo>
+                    <a:cubicBezTo>
+                      <a:pt x="119701" y="295037"/>
+                      <a:pt x="124571" y="293164"/>
+                      <a:pt x="130940" y="290541"/>
+                    </a:cubicBezTo>
+                    <a:cubicBezTo>
+                      <a:pt x="137309" y="287919"/>
+                      <a:pt x="144615" y="284640"/>
+                      <a:pt x="152857" y="280707"/>
+                    </a:cubicBezTo>
+                    <a:cubicBezTo>
+                      <a:pt x="161100" y="276773"/>
+                      <a:pt x="169810" y="272371"/>
+                      <a:pt x="178989" y="267500"/>
+                    </a:cubicBezTo>
+                    <a:cubicBezTo>
+                      <a:pt x="188168" y="262630"/>
+                      <a:pt x="196879" y="257385"/>
+                      <a:pt x="205121" y="251765"/>
+                    </a:cubicBezTo>
+                    <a:lnTo>
+                      <a:pt x="37653" y="251765"/>
+                    </a:lnTo>
+                    <a:cubicBezTo>
+                      <a:pt x="39526" y="241649"/>
+                      <a:pt x="41399" y="230223"/>
+                      <a:pt x="43272" y="217484"/>
+                    </a:cubicBezTo>
+                    <a:cubicBezTo>
+                      <a:pt x="45146" y="204746"/>
+                      <a:pt x="46831" y="191446"/>
+                      <a:pt x="48330" y="177584"/>
+                    </a:cubicBezTo>
+                    <a:lnTo>
+                      <a:pt x="6744" y="177584"/>
+                    </a:lnTo>
+                    <a:lnTo>
+                      <a:pt x="6744" y="150609"/>
+                    </a:lnTo>
+                    <a:lnTo>
+                      <a:pt x="51140" y="150609"/>
+                    </a:lnTo>
+                    <a:cubicBezTo>
+                      <a:pt x="52639" y="139370"/>
+                      <a:pt x="53950" y="128130"/>
+                      <a:pt x="55074" y="116891"/>
+                    </a:cubicBezTo>
+                    <a:cubicBezTo>
+                      <a:pt x="56198" y="105651"/>
+                      <a:pt x="57134" y="94974"/>
+                      <a:pt x="57884" y="84858"/>
+                    </a:cubicBezTo>
+                    <a:cubicBezTo>
+                      <a:pt x="53388" y="89729"/>
+                      <a:pt x="48892" y="94412"/>
+                      <a:pt x="44396" y="98908"/>
+                    </a:cubicBezTo>
+                    <a:cubicBezTo>
+                      <a:pt x="39900" y="103403"/>
+                      <a:pt x="35217" y="107712"/>
+                      <a:pt x="30347" y="111833"/>
+                    </a:cubicBezTo>
+                    <a:cubicBezTo>
+                      <a:pt x="28848" y="110334"/>
+                      <a:pt x="26788" y="108649"/>
+                      <a:pt x="24165" y="106775"/>
+                    </a:cubicBezTo>
+                    <a:cubicBezTo>
+                      <a:pt x="21543" y="104902"/>
+                      <a:pt x="18826" y="103122"/>
+                      <a:pt x="16016" y="101437"/>
+                    </a:cubicBezTo>
+                    <a:cubicBezTo>
+                      <a:pt x="13207" y="99751"/>
+                      <a:pt x="10397" y="98065"/>
+                      <a:pt x="7587" y="96379"/>
+                    </a:cubicBezTo>
+                    <a:cubicBezTo>
+                      <a:pt x="4777" y="94693"/>
+                      <a:pt x="2248" y="93288"/>
+                      <a:pt x="0" y="92164"/>
+                    </a:cubicBezTo>
+                    <a:cubicBezTo>
+                      <a:pt x="7868" y="86170"/>
+                      <a:pt x="15454" y="79707"/>
+                      <a:pt x="22760" y="72776"/>
+                    </a:cubicBezTo>
+                    <a:cubicBezTo>
+                      <a:pt x="30066" y="65845"/>
+                      <a:pt x="36903" y="58445"/>
+                      <a:pt x="43272" y="50578"/>
+                    </a:cubicBezTo>
+                    <a:cubicBezTo>
+                      <a:pt x="49641" y="42710"/>
+                      <a:pt x="55448" y="34468"/>
+                      <a:pt x="60693" y="25851"/>
+                    </a:cubicBezTo>
+                    <a:cubicBezTo>
+                      <a:pt x="65939" y="17234"/>
+                      <a:pt x="70434" y="8617"/>
+                      <a:pt x="74181" y="0"/>
+                    </a:cubicBezTo>
+                    <a:close/>
+                  </a:path>
+                </a:pathLst>
+              </a:custGeom>
+              <a:solidFill>
+                <a:schemeClr val="tx1"/>
+              </a:solidFill>
+              <a:ln>
+                <a:noFill/>
+              </a:ln>
+              <a:effectLst/>
+            </p:spPr>
+            <p:txBody>
+              <a:bodyPr rot="0" spcFirstLastPara="0" vertOverflow="overflow" horzOverflow="overflow" vert="horz" wrap="square" lIns="91440" tIns="45720" rIns="91440" bIns="45720" numCol="1" spcCol="0" rtlCol="0" fromWordArt="0" anchor="t" anchorCtr="0" forceAA="0" compatLnSpc="1">
+                <a:prstTxWarp prst="textNoShape">
+                  <a:avLst/>
+                </a:prstTxWarp>
+                <a:noAutofit/>
+              </a:bodyPr>
+              <a:lstStyle/>
+              <a:p>
+                <a:endParaRPr lang="zh-TW" altLang="en-US" sz="4400" dirty="0">
+                  <a:latin typeface="Sarasa Mono SC" panose="02000509000000000000" pitchFamily="49" charset="-122"/>
+                  <a:ea typeface="Sarasa Mono SC" panose="02000509000000000000" pitchFamily="49" charset="-122"/>
+                  <a:cs typeface="Sarasa Mono SC" panose="02000509000000000000" pitchFamily="49" charset="-122"/>
+                </a:endParaRPr>
+              </a:p>
+            </p:txBody>
+          </p:sp>
+        </p:grpSp>
+        <p:pic>
+          <p:nvPicPr>
+            <p:cNvPr id="115" name="圖片 114">
+              <a:extLst>
+                <a:ext uri="{FF2B5EF4-FFF2-40B4-BE49-F238E27FC236}">
+                  <a16:creationId xmlns:a16="http://schemas.microsoft.com/office/drawing/2014/main" id="{6FF36DEF-A926-4C77-9388-395A7604C81A}"/>
+                </a:ext>
+              </a:extLst>
+            </p:cNvPr>
+            <p:cNvPicPr>
+              <a:picLocks noChangeAspect="1"/>
+            </p:cNvPicPr>
+            <p:nvPr/>
+          </p:nvPicPr>
+          <p:blipFill>
+            <a:blip r:embed="rId7">
+              <a:extLst>
+                <a:ext uri="{BEBA8EAE-BF5A-486C-A8C5-ECC9F3942E4B}">
+                  <a14:imgProps xmlns:a14="http://schemas.microsoft.com/office/drawing/2010/main">
+                    <a14:imgLayer r:embed="rId8">
+                      <a14:imgEffect>
+                        <a14:saturation sat="300000"/>
+                      </a14:imgEffect>
+                    </a14:imgLayer>
+                  </a14:imgProps>
+                </a:ext>
+                <a:ext uri="{28A0092B-C50C-407E-A947-70E740481C1C}">
+                  <a14:useLocalDpi xmlns:a14="http://schemas.microsoft.com/office/drawing/2010/main" val="0"/>
+                </a:ext>
+              </a:extLst>
+            </a:blip>
+            <a:srcRect r="13208" b="13208"/>
+            <a:stretch>
+              <a:fillRect/>
+            </a:stretch>
+          </p:blipFill>
+          <p:spPr>
+            <a:xfrm>
+              <a:off x="9848746" y="4800480"/>
+              <a:ext cx="828000" cy="828000"/>
+            </a:xfrm>
+            <a:custGeom>
+              <a:avLst/>
+              <a:gdLst>
+                <a:gd name="connsiteX0" fmla="*/ 0 w 828000"/>
+                <a:gd name="connsiteY0" fmla="*/ 0 h 828000"/>
+                <a:gd name="connsiteX1" fmla="*/ 828000 w 828000"/>
+                <a:gd name="connsiteY1" fmla="*/ 0 h 828000"/>
+                <a:gd name="connsiteX2" fmla="*/ 828000 w 828000"/>
+                <a:gd name="connsiteY2" fmla="*/ 828000 h 828000"/>
+                <a:gd name="connsiteX3" fmla="*/ 0 w 828000"/>
+                <a:gd name="connsiteY3" fmla="*/ 828000 h 828000"/>
+              </a:gdLst>
+              <a:ahLst/>
+              <a:cxnLst>
+                <a:cxn ang="0">
+                  <a:pos x="connsiteX0" y="connsiteY0"/>
+                </a:cxn>
+                <a:cxn ang="0">
+                  <a:pos x="connsiteX1" y="connsiteY1"/>
+                </a:cxn>
+                <a:cxn ang="0">
+                  <a:pos x="connsiteX2" y="connsiteY2"/>
+                </a:cxn>
+                <a:cxn ang="0">
+                  <a:pos x="connsiteX3" y="connsiteY3"/>
+                </a:cxn>
+              </a:cxnLst>
+              <a:rect l="l" t="t" r="r" b="b"/>
+              <a:pathLst>
+                <a:path w="828000" h="828000">
+                  <a:moveTo>
+                    <a:pt x="0" y="0"/>
+                  </a:moveTo>
+                  <a:lnTo>
+                    <a:pt x="828000" y="0"/>
+                  </a:lnTo>
+                  <a:lnTo>
+                    <a:pt x="828000" y="828000"/>
+                  </a:lnTo>
+                  <a:lnTo>
+                    <a:pt x="0" y="828000"/>
+                  </a:lnTo>
+                  <a:close/>
+                </a:path>
+              </a:pathLst>
+            </a:custGeom>
+          </p:spPr>
+        </p:pic>
+      </p:grpSp>
     </p:spTree>
     <p:extLst>
       <p:ext uri="{BB962C8B-B14F-4D97-AF65-F5344CB8AC3E}">
